--- a/arquivos/Modelo de Status Report Complexidade Baixa e Média.pptx
+++ b/arquivos/Modelo de Status Report Complexidade Baixa e Média.pptx
@@ -4977,7 +4977,7 @@
           <a:p>
             <a:fld id="{90345AE1-7C29-432F-9E78-FAAED75B8257}" type="datetimeFigureOut">
               <a:rPr lang="pt-BR" smtClean="0"/>
-              <a:t>02/02/2021</a:t>
+              <a:t>20/07/2021</a:t>
             </a:fld>
             <a:endParaRPr lang="pt-BR" dirty="0"/>
           </a:p>
@@ -5151,7 +5151,7 @@
               <a:pPr>
                 <a:defRPr/>
               </a:pPr>
-              <a:t>02/02/2021</a:t>
+              <a:t>20/07/2021</a:t>
             </a:fld>
             <a:endParaRPr lang="pt-BR" dirty="0"/>
           </a:p>
@@ -8405,6 +8405,36 @@
           </a:p>
         </p:txBody>
       </p:sp>
+      <p:pic>
+        <p:nvPicPr>
+          <p:cNvPr id="4" name="Imagem 3"/>
+          <p:cNvPicPr>
+            <a:picLocks noChangeAspect="1"/>
+          </p:cNvPicPr>
+          <p:nvPr/>
+        </p:nvPicPr>
+        <p:blipFill>
+          <a:blip r:embed="rId3">
+            <a:extLst>
+              <a:ext uri="{28A0092B-C50C-407E-A947-70E740481C1C}">
+                <a14:useLocalDpi xmlns:a14="http://schemas.microsoft.com/office/drawing/2010/main" val="0"/>
+              </a:ext>
+            </a:extLst>
+          </a:blip>
+          <a:stretch>
+            <a:fillRect/>
+          </a:stretch>
+        </p:blipFill>
+        <p:spPr>
+          <a:xfrm>
+            <a:off x="6176795" y="97885"/>
+            <a:ext cx="1525680" cy="563995"/>
+          </a:xfrm>
+          <a:prstGeom prst="rect">
+            <a:avLst/>
+          </a:prstGeom>
+        </p:spPr>
+      </p:pic>
     </p:spTree>
     <p:extLst>
       <p:ext uri="{BB962C8B-B14F-4D97-AF65-F5344CB8AC3E}">
@@ -9310,12 +9340,9 @@
 </file>
 
 <file path=customXml/item1.xml><?xml version="1.0" encoding="utf-8"?>
-<?mso-contentType ?>
-<FormTemplates xmlns="http://schemas.microsoft.com/sharepoint/v3/contenttype/forms">
-  <Display>DocumentLibraryForm</Display>
-  <Edit>DocumentLibraryForm</Edit>
-  <New>DocumentLibraryForm</New>
-</FormTemplates>
+<p:properties xmlns:p="http://schemas.microsoft.com/office/2006/metadata/properties" xmlns:xsi="http://www.w3.org/2001/XMLSchema-instance" xmlns:pc="http://schemas.microsoft.com/office/infopath/2007/PartnerControls">
+  <documentManagement/>
+</p:properties>
 </file>
 
 <file path=customXml/item2.xml><?xml version="1.0" encoding="utf-8"?>
@@ -9536,24 +9563,15 @@
 </file>
 
 <file path=customXml/item3.xml><?xml version="1.0" encoding="utf-8"?>
-<p:properties xmlns:p="http://schemas.microsoft.com/office/2006/metadata/properties" xmlns:xsi="http://www.w3.org/2001/XMLSchema-instance" xmlns:pc="http://schemas.microsoft.com/office/infopath/2007/PartnerControls">
-  <documentManagement/>
-</p:properties>
+<?mso-contentType ?>
+<FormTemplates xmlns="http://schemas.microsoft.com/sharepoint/v3/contenttype/forms">
+  <Display>DocumentLibraryForm</Display>
+  <Edit>DocumentLibraryForm</Edit>
+  <New>DocumentLibraryForm</New>
+</FormTemplates>
 </file>
 
 <file path=customXml/itemProps1.xml><?xml version="1.0" encoding="utf-8"?>
-<ds:datastoreItem xmlns:ds="http://schemas.openxmlformats.org/officeDocument/2006/customXml" ds:itemID="{D1E38D57-0180-4567-AD0A-6F283E54E221}">
-  <ds:schemaRefs>
-    <ds:schemaRef ds:uri="http://schemas.microsoft.com/sharepoint/v3/contenttype/forms"/>
-  </ds:schemaRefs>
-</ds:datastoreItem>
-</file>
-
-<file path=customXml/itemProps2.xml><?xml version="1.0" encoding="utf-8"?>
-<ds:datastoreItem xmlns:ds="http://schemas.openxmlformats.org/officeDocument/2006/customXml" ds:itemID="{EA310932-44FB-4180-AB80-0409F584F9B2}"/>
-</file>
-
-<file path=customXml/itemProps3.xml><?xml version="1.0" encoding="utf-8"?>
 <ds:datastoreItem xmlns:ds="http://schemas.openxmlformats.org/officeDocument/2006/customXml" ds:itemID="{2C31BD79-6CFB-48C2-A656-974AF467EE70}">
   <ds:schemaRefs>
     <ds:schemaRef ds:uri="http://purl.org/dc/dcmitype/"/>
@@ -9568,4 +9586,31 @@
     <ds:schemaRef ds:uri="http://schemas.microsoft.com/office/2006/metadata/properties"/>
   </ds:schemaRefs>
 </ds:datastoreItem>
+</file>
+
+<file path=customXml/itemProps2.xml><?xml version="1.0" encoding="utf-8"?>
+<ds:datastoreItem xmlns:ds="http://schemas.openxmlformats.org/officeDocument/2006/customXml" ds:itemID="{EA310932-44FB-4180-AB80-0409F584F9B2}">
+  <ds:schemaRefs>
+    <ds:schemaRef ds:uri="http://schemas.microsoft.com/office/2006/metadata/contentType"/>
+    <ds:schemaRef ds:uri="http://schemas.microsoft.com/office/2006/metadata/properties/metaAttributes"/>
+    <ds:schemaRef ds:uri="http://www.w3.org/2001/XMLSchema"/>
+    <ds:schemaRef ds:uri="http://schemas.microsoft.com/office/2006/metadata/properties"/>
+    <ds:schemaRef ds:uri="eb33c5a6-54d1-477f-83bb-93291d03e373"/>
+    <ds:schemaRef ds:uri="cd8cfd7d-5186-4715-9870-1f6c504c93d5"/>
+    <ds:schemaRef ds:uri="http://schemas.microsoft.com/office/2006/documentManagement/types"/>
+    <ds:schemaRef ds:uri="http://schemas.microsoft.com/office/infopath/2007/PartnerControls"/>
+    <ds:schemaRef ds:uri="http://schemas.openxmlformats.org/package/2006/metadata/core-properties"/>
+    <ds:schemaRef ds:uri="http://purl.org/dc/elements/1.1/"/>
+    <ds:schemaRef ds:uri="http://purl.org/dc/terms/"/>
+    <ds:schemaRef ds:uri="http://schemas.microsoft.com/internal/obd"/>
+  </ds:schemaRefs>
+</ds:datastoreItem>
+</file>
+
+<file path=customXml/itemProps3.xml><?xml version="1.0" encoding="utf-8"?>
+<ds:datastoreItem xmlns:ds="http://schemas.openxmlformats.org/officeDocument/2006/customXml" ds:itemID="{D1E38D57-0180-4567-AD0A-6F283E54E221}">
+  <ds:schemaRefs>
+    <ds:schemaRef ds:uri="http://schemas.microsoft.com/sharepoint/v3/contenttype/forms"/>
+  </ds:schemaRefs>
+</ds:datastoreItem>
 </file>